--- a/Architecture_Diagram/RV32I.pptx
+++ b/Architecture_Diagram/RV32I.pptx
@@ -5522,42 +5522,6 @@
           <a:chExt cx="0" cy="0"/>
         </a:xfrm>
       </p:grpSpPr>
-      <p:pic>
-        <p:nvPicPr>
-          <p:cNvPr id="3" name="Picture 2">
-            <a:extLst>
-              <a:ext uri="{FF2B5EF4-FFF2-40B4-BE49-F238E27FC236}">
-                <a16:creationId xmlns:a16="http://schemas.microsoft.com/office/drawing/2014/main" id="{94301C1B-F8EE-445D-714C-B9D4C01B9A9B}"/>
-              </a:ext>
-            </a:extLst>
-          </p:cNvPr>
-          <p:cNvPicPr>
-            <a:picLocks noChangeAspect="1"/>
-          </p:cNvPicPr>
-          <p:nvPr/>
-        </p:nvPicPr>
-        <p:blipFill>
-          <a:blip r:embed="rId3">
-            <a:extLst>
-              <a:ext uri="{28A0092B-C50C-407E-A947-70E740481C1C}">
-                <a14:useLocalDpi xmlns:a14="http://schemas.microsoft.com/office/drawing/2010/main" val="0"/>
-              </a:ext>
-            </a:extLst>
-          </a:blip>
-          <a:stretch>
-            <a:fillRect/>
-          </a:stretch>
-        </p:blipFill>
-        <p:spPr>
-          <a:xfrm>
-            <a:off x="288999" y="0"/>
-            <a:ext cx="11614001" cy="6858000"/>
-          </a:xfrm>
-          <a:prstGeom prst="rect">
-            <a:avLst/>
-          </a:prstGeom>
-        </p:spPr>
-      </p:pic>
     </p:spTree>
     <p:extLst>
       <p:ext uri="{BB962C8B-B14F-4D97-AF65-F5344CB8AC3E}">
